--- a/WebContent/WEB-INF/master.pptx
+++ b/WebContent/WEB-INF/master.pptx
@@ -289,7 +289,7 @@
             <a:fld id="{1D8BD707-D9CF-40AE-B4C6-C98DA3205C09}" type="datetimeFigureOut">
               <a:rPr lang="en-US" smtClean="0"/>
               <a:pPr/>
-              <a:t>4/13/15</a:t>
+              <a:t>06/12/15</a:t>
             </a:fld>
             <a:endParaRPr lang="en-US"/>
           </a:p>
@@ -456,7 +456,7 @@
             <a:fld id="{1D8BD707-D9CF-40AE-B4C6-C98DA3205C09}" type="datetimeFigureOut">
               <a:rPr lang="en-US" smtClean="0"/>
               <a:pPr/>
-              <a:t>4/13/15</a:t>
+              <a:t>06/12/15</a:t>
             </a:fld>
             <a:endParaRPr lang="en-US"/>
           </a:p>
@@ -633,7 +633,7 @@
             <a:fld id="{1D8BD707-D9CF-40AE-B4C6-C98DA3205C09}" type="datetimeFigureOut">
               <a:rPr lang="en-US" smtClean="0"/>
               <a:pPr/>
-              <a:t>4/13/15</a:t>
+              <a:t>06/12/15</a:t>
             </a:fld>
             <a:endParaRPr lang="en-US"/>
           </a:p>
@@ -800,7 +800,7 @@
             <a:fld id="{1D8BD707-D9CF-40AE-B4C6-C98DA3205C09}" type="datetimeFigureOut">
               <a:rPr lang="en-US" smtClean="0"/>
               <a:pPr/>
-              <a:t>4/13/15</a:t>
+              <a:t>06/12/15</a:t>
             </a:fld>
             <a:endParaRPr lang="en-US"/>
           </a:p>
@@ -1043,7 +1043,7 @@
             <a:fld id="{1D8BD707-D9CF-40AE-B4C6-C98DA3205C09}" type="datetimeFigureOut">
               <a:rPr lang="en-US" smtClean="0"/>
               <a:pPr/>
-              <a:t>4/13/15</a:t>
+              <a:t>06/12/15</a:t>
             </a:fld>
             <a:endParaRPr lang="en-US"/>
           </a:p>
@@ -1328,7 +1328,7 @@
             <a:fld id="{1D8BD707-D9CF-40AE-B4C6-C98DA3205C09}" type="datetimeFigureOut">
               <a:rPr lang="en-US" smtClean="0"/>
               <a:pPr/>
-              <a:t>4/13/15</a:t>
+              <a:t>06/12/15</a:t>
             </a:fld>
             <a:endParaRPr lang="en-US"/>
           </a:p>
@@ -1747,7 +1747,7 @@
             <a:fld id="{1D8BD707-D9CF-40AE-B4C6-C98DA3205C09}" type="datetimeFigureOut">
               <a:rPr lang="en-US" smtClean="0"/>
               <a:pPr/>
-              <a:t>4/13/15</a:t>
+              <a:t>06/12/15</a:t>
             </a:fld>
             <a:endParaRPr lang="en-US"/>
           </a:p>
@@ -1862,7 +1862,7 @@
             <a:fld id="{1D8BD707-D9CF-40AE-B4C6-C98DA3205C09}" type="datetimeFigureOut">
               <a:rPr lang="en-US" smtClean="0"/>
               <a:pPr/>
-              <a:t>4/13/15</a:t>
+              <a:t>06/12/15</a:t>
             </a:fld>
             <a:endParaRPr lang="en-US"/>
           </a:p>
@@ -1954,7 +1954,7 @@
             <a:fld id="{1D8BD707-D9CF-40AE-B4C6-C98DA3205C09}" type="datetimeFigureOut">
               <a:rPr lang="en-US" smtClean="0"/>
               <a:pPr/>
-              <a:t>4/13/15</a:t>
+              <a:t>06/12/15</a:t>
             </a:fld>
             <a:endParaRPr lang="en-US"/>
           </a:p>
@@ -2228,7 +2228,7 @@
             <a:fld id="{1D8BD707-D9CF-40AE-B4C6-C98DA3205C09}" type="datetimeFigureOut">
               <a:rPr lang="en-US" smtClean="0"/>
               <a:pPr/>
-              <a:t>4/13/15</a:t>
+              <a:t>06/12/15</a:t>
             </a:fld>
             <a:endParaRPr lang="en-US"/>
           </a:p>
@@ -2478,7 +2478,7 @@
             <a:fld id="{1D8BD707-D9CF-40AE-B4C6-C98DA3205C09}" type="datetimeFigureOut">
               <a:rPr lang="en-US" smtClean="0"/>
               <a:pPr/>
-              <a:t>4/13/15</a:t>
+              <a:t>06/12/15</a:t>
             </a:fld>
             <a:endParaRPr lang="en-US"/>
           </a:p>
@@ -2688,7 +2688,7 @@
             <a:fld id="{1D8BD707-D9CF-40AE-B4C6-C98DA3205C09}" type="datetimeFigureOut">
               <a:rPr lang="en-US" smtClean="0"/>
               <a:pPr/>
-              <a:t>4/13/15</a:t>
+              <a:t>06/12/15</a:t>
             </a:fld>
             <a:endParaRPr lang="en-US"/>
           </a:p>
@@ -3045,6 +3045,14 @@
 <file path=ppt/slides/slide1.xml><?xml version="1.0" encoding="utf-8"?>
 <p:sld xmlns:a="http://schemas.openxmlformats.org/drawingml/2006/main" xmlns:r="http://schemas.openxmlformats.org/officeDocument/2006/relationships" xmlns:p="http://schemas.openxmlformats.org/presentationml/2006/main">
   <p:cSld>
+    <p:bg>
+      <p:bgPr>
+        <a:solidFill>
+          <a:schemeClr val="tx1"/>
+        </a:solidFill>
+        <a:effectLst/>
+      </p:bgPr>
+    </p:bg>
     <p:spTree>
       <p:nvGrpSpPr>
         <p:cNvPr id="1" name=""/>
@@ -3086,7 +3094,7 @@
             <a:r>
               <a:rPr lang="en-US" sz="3200" b="1" i="0" dirty="0" err="1" smtClean="0">
                 <a:solidFill>
-                  <a:srgbClr val="000000"/>
+                  <a:schemeClr val="bg1"/>
                 </a:solidFill>
                 <a:latin typeface="Calibri"/>
               </a:rPr>
@@ -3094,7 +3102,7 @@
             </a:r>
             <a:endParaRPr lang="en-US" sz="3200" b="1" i="0" dirty="0">
               <a:solidFill>
-                <a:srgbClr val="000000"/>
+                <a:schemeClr val="bg1"/>
               </a:solidFill>
               <a:latin typeface="Calibri"/>
             </a:endParaRPr>
@@ -3126,23 +3134,21 @@
               </a:lnSpc>
             </a:pPr>
             <a:r>
-              <a:rPr lang="en-US" sz="2400" b="1" i="0" dirty="0" err="1" smtClean="0">
+              <a:rPr lang="en-US" sz="2200" b="1" i="1" dirty="0" err="1" smtClean="0">
                 <a:solidFill>
-                  <a:schemeClr val="accent1">
-                    <a:lumMod val="75000"/>
-                  </a:schemeClr>
+                  <a:srgbClr val="FFFFFF"/>
                 </a:solidFill>
-                <a:latin typeface="+mj-lt"/>
+                <a:latin typeface="Times"/>
+                <a:cs typeface="Times"/>
               </a:rPr>
               <a:t>EnglishBhajanMeaning</a:t>
             </a:r>
-            <a:endParaRPr lang="en-US" sz="2400" b="1" i="0" dirty="0">
+            <a:endParaRPr lang="en-US" sz="2200" b="1" i="1" dirty="0">
               <a:solidFill>
-                <a:schemeClr val="accent1">
-                  <a:lumMod val="75000"/>
-                </a:schemeClr>
+                <a:srgbClr val="FFFFFF"/>
               </a:solidFill>
-              <a:latin typeface="+mj-lt"/>
+              <a:latin typeface="Times"/>
+              <a:cs typeface="Times"/>
             </a:endParaRPr>
           </a:p>
         </p:txBody>
@@ -3174,7 +3180,7 @@
             <a:r>
               <a:rPr lang="en-US" sz="2000" b="1" i="0" dirty="0" err="1" smtClean="0">
                 <a:solidFill>
-                  <a:srgbClr val="FF0000"/>
+                  <a:srgbClr val="FFFF00"/>
                 </a:solidFill>
                 <a:latin typeface="Arial"/>
               </a:rPr>
@@ -3182,7 +3188,7 @@
             </a:r>
             <a:endParaRPr lang="en-US" sz="2000" b="1" i="0" dirty="0">
               <a:solidFill>
-                <a:srgbClr val="FF0000"/>
+                <a:srgbClr val="FFFF00"/>
               </a:solidFill>
               <a:latin typeface="Arial"/>
             </a:endParaRPr>
@@ -3216,7 +3222,7 @@
             <a:r>
               <a:rPr lang="en-US" sz="2000" b="1" i="0" dirty="0" err="1" smtClean="0">
                 <a:solidFill>
-                  <a:srgbClr val="FF0000"/>
+                  <a:srgbClr val="FFFF00"/>
                 </a:solidFill>
                 <a:latin typeface="Arial"/>
               </a:rPr>
@@ -3224,7 +3230,7 @@
             </a:r>
             <a:endParaRPr lang="en-US" sz="2000" b="1" i="0" dirty="0">
               <a:solidFill>
-                <a:srgbClr val="FF0000"/>
+                <a:srgbClr val="FFFF00"/>
               </a:solidFill>
               <a:latin typeface="Arial"/>
             </a:endParaRPr>
@@ -3258,7 +3264,7 @@
             <a:r>
               <a:rPr lang="en-US" sz="2000" b="1" i="0" dirty="0" err="1" smtClean="0">
                 <a:solidFill>
-                  <a:srgbClr val="FF0000"/>
+                  <a:srgbClr val="FFFF00"/>
                 </a:solidFill>
                 <a:latin typeface="Arial"/>
               </a:rPr>
@@ -3266,7 +3272,7 @@
             </a:r>
             <a:endParaRPr lang="en-US" sz="2000" b="1" i="0" dirty="0">
               <a:solidFill>
-                <a:srgbClr val="FF0000"/>
+                <a:srgbClr val="FFFF00"/>
               </a:solidFill>
               <a:latin typeface="Arial"/>
             </a:endParaRPr>

--- a/WebContent/WEB-INF/master.pptx
+++ b/WebContent/WEB-INF/master.pptx
@@ -2539,9 +2539,12 @@
 <p:sldMaster xmlns:a="http://schemas.openxmlformats.org/drawingml/2006/main" xmlns:r="http://schemas.openxmlformats.org/officeDocument/2006/relationships" xmlns:p="http://schemas.openxmlformats.org/presentationml/2006/main">
   <p:cSld>
     <p:bg>
-      <p:bgRef idx="1001">
-        <a:schemeClr val="bg1"/>
-      </p:bgRef>
+      <p:bgPr>
+        <a:solidFill>
+          <a:schemeClr val="tx1"/>
+        </a:solidFill>
+        <a:effectLst/>
+      </p:bgPr>
     </p:bg>
     <p:spTree>
       <p:nvGrpSpPr>
@@ -3045,14 +3048,6 @@
 <file path=ppt/slides/slide1.xml><?xml version="1.0" encoding="utf-8"?>
 <p:sld xmlns:a="http://schemas.openxmlformats.org/drawingml/2006/main" xmlns:r="http://schemas.openxmlformats.org/officeDocument/2006/relationships" xmlns:p="http://schemas.openxmlformats.org/presentationml/2006/main">
   <p:cSld>
-    <p:bg>
-      <p:bgPr>
-        <a:solidFill>
-          <a:schemeClr val="tx1"/>
-        </a:solidFill>
-        <a:effectLst/>
-      </p:bgPr>
-    </p:bg>
     <p:spTree>
       <p:nvGrpSpPr>
         <p:cNvPr id="1" name=""/>

--- a/WebContent/WEB-INF/master.pptx
+++ b/WebContent/WEB-INF/master.pptx
@@ -2,10 +2,10 @@
 <file path=ppt/presentation.xml><?xml version="1.0" encoding="utf-8"?>
 <p:presentation xmlns:a="http://schemas.openxmlformats.org/drawingml/2006/main" xmlns:r="http://schemas.openxmlformats.org/officeDocument/2006/relationships" xmlns:p="http://schemas.openxmlformats.org/presentationml/2006/main" saveSubsetFonts="1">
   <p:sldMasterIdLst>
-    <p:sldMasterId id="2147483648" r:id="rId1"/>
+    <p:sldMasterId id="2147483660" r:id="rId1"/>
   </p:sldMasterIdLst>
   <p:sldIdLst>
-    <p:sldId id="256" r:id="rId2"/>
+    <p:sldId id="257" r:id="rId2"/>
   </p:sldIdLst>
   <p:sldSz cx="9144000" cy="6858000" type="screen4x3"/>
   <p:notesSz cx="6858000" cy="9144000"/>
@@ -286,12 +286,26 @@
           <a:bodyPr/>
           <a:lstStyle/>
           <a:p>
-            <a:fld id="{1D8BD707-D9CF-40AE-B4C6-C98DA3205C09}" type="datetimeFigureOut">
-              <a:rPr lang="en-US" smtClean="0"/>
+            <a:fld id="{3727E61C-E00D-914F-B99B-6BAE13F5BB61}" type="datetimeFigureOut">
+              <a:rPr lang="en-US">
+                <a:solidFill>
+                  <a:prstClr val="black">
+                    <a:tint val="75000"/>
+                  </a:prstClr>
+                </a:solidFill>
+                <a:latin typeface="Calibri"/>
+              </a:rPr>
               <a:pPr/>
               <a:t>06/12/15</a:t>
             </a:fld>
-            <a:endParaRPr lang="en-US"/>
+            <a:endParaRPr lang="en-US">
+              <a:solidFill>
+                <a:prstClr val="black">
+                  <a:tint val="75000"/>
+                </a:prstClr>
+              </a:solidFill>
+              <a:latin typeface="Calibri"/>
+            </a:endParaRPr>
           </a:p>
         </p:txBody>
       </p:sp>
@@ -310,7 +324,14 @@
           <a:bodyPr/>
           <a:lstStyle/>
           <a:p>
-            <a:endParaRPr lang="en-US"/>
+            <a:endParaRPr lang="en-US">
+              <a:solidFill>
+                <a:prstClr val="black">
+                  <a:tint val="75000"/>
+                </a:prstClr>
+              </a:solidFill>
+              <a:latin typeface="Calibri"/>
+            </a:endParaRPr>
           </a:p>
         </p:txBody>
       </p:sp>
@@ -329,16 +350,35 @@
           <a:bodyPr/>
           <a:lstStyle/>
           <a:p>
-            <a:fld id="{B6F15528-21DE-4FAA-801E-634DDDAF4B2B}" type="slidenum">
-              <a:rPr lang="en-US" smtClean="0"/>
+            <a:fld id="{59192886-7455-8947-95E8-6B7BFD7BD4A7}" type="slidenum">
+              <a:rPr lang="en-US">
+                <a:solidFill>
+                  <a:prstClr val="black">
+                    <a:tint val="75000"/>
+                  </a:prstClr>
+                </a:solidFill>
+                <a:latin typeface="Calibri"/>
+              </a:rPr>
               <a:pPr/>
               <a:t>‹#›</a:t>
             </a:fld>
-            <a:endParaRPr lang="en-US"/>
+            <a:endParaRPr lang="en-US">
+              <a:solidFill>
+                <a:prstClr val="black">
+                  <a:tint val="75000"/>
+                </a:prstClr>
+              </a:solidFill>
+              <a:latin typeface="Calibri"/>
+            </a:endParaRPr>
           </a:p>
         </p:txBody>
       </p:sp>
     </p:spTree>
+    <p:extLst>
+      <p:ext uri="{BB962C8B-B14F-4D97-AF65-F5344CB8AC3E}">
+        <p14:creationId xmlns:p14="http://schemas.microsoft.com/office/powerpoint/2010/main" val="2705869194"/>
+      </p:ext>
+    </p:extLst>
   </p:cSld>
   <p:clrMapOvr>
     <a:masterClrMapping/>
@@ -453,12 +493,26 @@
           <a:bodyPr/>
           <a:lstStyle/>
           <a:p>
-            <a:fld id="{1D8BD707-D9CF-40AE-B4C6-C98DA3205C09}" type="datetimeFigureOut">
-              <a:rPr lang="en-US" smtClean="0"/>
+            <a:fld id="{3727E61C-E00D-914F-B99B-6BAE13F5BB61}" type="datetimeFigureOut">
+              <a:rPr lang="en-US">
+                <a:solidFill>
+                  <a:prstClr val="black">
+                    <a:tint val="75000"/>
+                  </a:prstClr>
+                </a:solidFill>
+                <a:latin typeface="Calibri"/>
+              </a:rPr>
               <a:pPr/>
               <a:t>06/12/15</a:t>
             </a:fld>
-            <a:endParaRPr lang="en-US"/>
+            <a:endParaRPr lang="en-US">
+              <a:solidFill>
+                <a:prstClr val="black">
+                  <a:tint val="75000"/>
+                </a:prstClr>
+              </a:solidFill>
+              <a:latin typeface="Calibri"/>
+            </a:endParaRPr>
           </a:p>
         </p:txBody>
       </p:sp>
@@ -477,7 +531,14 @@
           <a:bodyPr/>
           <a:lstStyle/>
           <a:p>
-            <a:endParaRPr lang="en-US"/>
+            <a:endParaRPr lang="en-US">
+              <a:solidFill>
+                <a:prstClr val="black">
+                  <a:tint val="75000"/>
+                </a:prstClr>
+              </a:solidFill>
+              <a:latin typeface="Calibri"/>
+            </a:endParaRPr>
           </a:p>
         </p:txBody>
       </p:sp>
@@ -496,16 +557,35 @@
           <a:bodyPr/>
           <a:lstStyle/>
           <a:p>
-            <a:fld id="{B6F15528-21DE-4FAA-801E-634DDDAF4B2B}" type="slidenum">
-              <a:rPr lang="en-US" smtClean="0"/>
+            <a:fld id="{59192886-7455-8947-95E8-6B7BFD7BD4A7}" type="slidenum">
+              <a:rPr lang="en-US">
+                <a:solidFill>
+                  <a:prstClr val="black">
+                    <a:tint val="75000"/>
+                  </a:prstClr>
+                </a:solidFill>
+                <a:latin typeface="Calibri"/>
+              </a:rPr>
               <a:pPr/>
               <a:t>‹#›</a:t>
             </a:fld>
-            <a:endParaRPr lang="en-US"/>
+            <a:endParaRPr lang="en-US">
+              <a:solidFill>
+                <a:prstClr val="black">
+                  <a:tint val="75000"/>
+                </a:prstClr>
+              </a:solidFill>
+              <a:latin typeface="Calibri"/>
+            </a:endParaRPr>
           </a:p>
         </p:txBody>
       </p:sp>
     </p:spTree>
+    <p:extLst>
+      <p:ext uri="{BB962C8B-B14F-4D97-AF65-F5344CB8AC3E}">
+        <p14:creationId xmlns:p14="http://schemas.microsoft.com/office/powerpoint/2010/main" val="3552985039"/>
+      </p:ext>
+    </p:extLst>
   </p:cSld>
   <p:clrMapOvr>
     <a:masterClrMapping/>
@@ -630,12 +710,26 @@
           <a:bodyPr/>
           <a:lstStyle/>
           <a:p>
-            <a:fld id="{1D8BD707-D9CF-40AE-B4C6-C98DA3205C09}" type="datetimeFigureOut">
-              <a:rPr lang="en-US" smtClean="0"/>
+            <a:fld id="{3727E61C-E00D-914F-B99B-6BAE13F5BB61}" type="datetimeFigureOut">
+              <a:rPr lang="en-US">
+                <a:solidFill>
+                  <a:prstClr val="black">
+                    <a:tint val="75000"/>
+                  </a:prstClr>
+                </a:solidFill>
+                <a:latin typeface="Calibri"/>
+              </a:rPr>
               <a:pPr/>
               <a:t>06/12/15</a:t>
             </a:fld>
-            <a:endParaRPr lang="en-US"/>
+            <a:endParaRPr lang="en-US">
+              <a:solidFill>
+                <a:prstClr val="black">
+                  <a:tint val="75000"/>
+                </a:prstClr>
+              </a:solidFill>
+              <a:latin typeface="Calibri"/>
+            </a:endParaRPr>
           </a:p>
         </p:txBody>
       </p:sp>
@@ -654,7 +748,14 @@
           <a:bodyPr/>
           <a:lstStyle/>
           <a:p>
-            <a:endParaRPr lang="en-US"/>
+            <a:endParaRPr lang="en-US">
+              <a:solidFill>
+                <a:prstClr val="black">
+                  <a:tint val="75000"/>
+                </a:prstClr>
+              </a:solidFill>
+              <a:latin typeface="Calibri"/>
+            </a:endParaRPr>
           </a:p>
         </p:txBody>
       </p:sp>
@@ -673,16 +774,35 @@
           <a:bodyPr/>
           <a:lstStyle/>
           <a:p>
-            <a:fld id="{B6F15528-21DE-4FAA-801E-634DDDAF4B2B}" type="slidenum">
-              <a:rPr lang="en-US" smtClean="0"/>
+            <a:fld id="{59192886-7455-8947-95E8-6B7BFD7BD4A7}" type="slidenum">
+              <a:rPr lang="en-US">
+                <a:solidFill>
+                  <a:prstClr val="black">
+                    <a:tint val="75000"/>
+                  </a:prstClr>
+                </a:solidFill>
+                <a:latin typeface="Calibri"/>
+              </a:rPr>
               <a:pPr/>
               <a:t>‹#›</a:t>
             </a:fld>
-            <a:endParaRPr lang="en-US"/>
+            <a:endParaRPr lang="en-US">
+              <a:solidFill>
+                <a:prstClr val="black">
+                  <a:tint val="75000"/>
+                </a:prstClr>
+              </a:solidFill>
+              <a:latin typeface="Calibri"/>
+            </a:endParaRPr>
           </a:p>
         </p:txBody>
       </p:sp>
     </p:spTree>
+    <p:extLst>
+      <p:ext uri="{BB962C8B-B14F-4D97-AF65-F5344CB8AC3E}">
+        <p14:creationId xmlns:p14="http://schemas.microsoft.com/office/powerpoint/2010/main" val="1614080197"/>
+      </p:ext>
+    </p:extLst>
   </p:cSld>
   <p:clrMapOvr>
     <a:masterClrMapping/>
@@ -797,12 +917,26 @@
           <a:bodyPr/>
           <a:lstStyle/>
           <a:p>
-            <a:fld id="{1D8BD707-D9CF-40AE-B4C6-C98DA3205C09}" type="datetimeFigureOut">
-              <a:rPr lang="en-US" smtClean="0"/>
+            <a:fld id="{3727E61C-E00D-914F-B99B-6BAE13F5BB61}" type="datetimeFigureOut">
+              <a:rPr lang="en-US">
+                <a:solidFill>
+                  <a:prstClr val="black">
+                    <a:tint val="75000"/>
+                  </a:prstClr>
+                </a:solidFill>
+                <a:latin typeface="Calibri"/>
+              </a:rPr>
               <a:pPr/>
               <a:t>06/12/15</a:t>
             </a:fld>
-            <a:endParaRPr lang="en-US"/>
+            <a:endParaRPr lang="en-US">
+              <a:solidFill>
+                <a:prstClr val="black">
+                  <a:tint val="75000"/>
+                </a:prstClr>
+              </a:solidFill>
+              <a:latin typeface="Calibri"/>
+            </a:endParaRPr>
           </a:p>
         </p:txBody>
       </p:sp>
@@ -821,7 +955,14 @@
           <a:bodyPr/>
           <a:lstStyle/>
           <a:p>
-            <a:endParaRPr lang="en-US"/>
+            <a:endParaRPr lang="en-US">
+              <a:solidFill>
+                <a:prstClr val="black">
+                  <a:tint val="75000"/>
+                </a:prstClr>
+              </a:solidFill>
+              <a:latin typeface="Calibri"/>
+            </a:endParaRPr>
           </a:p>
         </p:txBody>
       </p:sp>
@@ -840,16 +981,35 @@
           <a:bodyPr/>
           <a:lstStyle/>
           <a:p>
-            <a:fld id="{B6F15528-21DE-4FAA-801E-634DDDAF4B2B}" type="slidenum">
-              <a:rPr lang="en-US" smtClean="0"/>
+            <a:fld id="{59192886-7455-8947-95E8-6B7BFD7BD4A7}" type="slidenum">
+              <a:rPr lang="en-US">
+                <a:solidFill>
+                  <a:prstClr val="black">
+                    <a:tint val="75000"/>
+                  </a:prstClr>
+                </a:solidFill>
+                <a:latin typeface="Calibri"/>
+              </a:rPr>
               <a:pPr/>
               <a:t>‹#›</a:t>
             </a:fld>
-            <a:endParaRPr lang="en-US"/>
+            <a:endParaRPr lang="en-US">
+              <a:solidFill>
+                <a:prstClr val="black">
+                  <a:tint val="75000"/>
+                </a:prstClr>
+              </a:solidFill>
+              <a:latin typeface="Calibri"/>
+            </a:endParaRPr>
           </a:p>
         </p:txBody>
       </p:sp>
     </p:spTree>
+    <p:extLst>
+      <p:ext uri="{BB962C8B-B14F-4D97-AF65-F5344CB8AC3E}">
+        <p14:creationId xmlns:p14="http://schemas.microsoft.com/office/powerpoint/2010/main" val="1998186619"/>
+      </p:ext>
+    </p:extLst>
   </p:cSld>
   <p:clrMapOvr>
     <a:masterClrMapping/>
@@ -1040,12 +1200,26 @@
           <a:bodyPr/>
           <a:lstStyle/>
           <a:p>
-            <a:fld id="{1D8BD707-D9CF-40AE-B4C6-C98DA3205C09}" type="datetimeFigureOut">
-              <a:rPr lang="en-US" smtClean="0"/>
+            <a:fld id="{3727E61C-E00D-914F-B99B-6BAE13F5BB61}" type="datetimeFigureOut">
+              <a:rPr lang="en-US">
+                <a:solidFill>
+                  <a:prstClr val="black">
+                    <a:tint val="75000"/>
+                  </a:prstClr>
+                </a:solidFill>
+                <a:latin typeface="Calibri"/>
+              </a:rPr>
               <a:pPr/>
               <a:t>06/12/15</a:t>
             </a:fld>
-            <a:endParaRPr lang="en-US"/>
+            <a:endParaRPr lang="en-US">
+              <a:solidFill>
+                <a:prstClr val="black">
+                  <a:tint val="75000"/>
+                </a:prstClr>
+              </a:solidFill>
+              <a:latin typeface="Calibri"/>
+            </a:endParaRPr>
           </a:p>
         </p:txBody>
       </p:sp>
@@ -1064,7 +1238,14 @@
           <a:bodyPr/>
           <a:lstStyle/>
           <a:p>
-            <a:endParaRPr lang="en-US"/>
+            <a:endParaRPr lang="en-US">
+              <a:solidFill>
+                <a:prstClr val="black">
+                  <a:tint val="75000"/>
+                </a:prstClr>
+              </a:solidFill>
+              <a:latin typeface="Calibri"/>
+            </a:endParaRPr>
           </a:p>
         </p:txBody>
       </p:sp>
@@ -1083,16 +1264,35 @@
           <a:bodyPr/>
           <a:lstStyle/>
           <a:p>
-            <a:fld id="{B6F15528-21DE-4FAA-801E-634DDDAF4B2B}" type="slidenum">
-              <a:rPr lang="en-US" smtClean="0"/>
+            <a:fld id="{59192886-7455-8947-95E8-6B7BFD7BD4A7}" type="slidenum">
+              <a:rPr lang="en-US">
+                <a:solidFill>
+                  <a:prstClr val="black">
+                    <a:tint val="75000"/>
+                  </a:prstClr>
+                </a:solidFill>
+                <a:latin typeface="Calibri"/>
+              </a:rPr>
               <a:pPr/>
               <a:t>‹#›</a:t>
             </a:fld>
-            <a:endParaRPr lang="en-US"/>
+            <a:endParaRPr lang="en-US">
+              <a:solidFill>
+                <a:prstClr val="black">
+                  <a:tint val="75000"/>
+                </a:prstClr>
+              </a:solidFill>
+              <a:latin typeface="Calibri"/>
+            </a:endParaRPr>
           </a:p>
         </p:txBody>
       </p:sp>
     </p:spTree>
+    <p:extLst>
+      <p:ext uri="{BB962C8B-B14F-4D97-AF65-F5344CB8AC3E}">
+        <p14:creationId xmlns:p14="http://schemas.microsoft.com/office/powerpoint/2010/main" val="3581053875"/>
+      </p:ext>
+    </p:extLst>
   </p:cSld>
   <p:clrMapOvr>
     <a:masterClrMapping/>
@@ -1325,12 +1525,26 @@
           <a:bodyPr/>
           <a:lstStyle/>
           <a:p>
-            <a:fld id="{1D8BD707-D9CF-40AE-B4C6-C98DA3205C09}" type="datetimeFigureOut">
-              <a:rPr lang="en-US" smtClean="0"/>
+            <a:fld id="{3727E61C-E00D-914F-B99B-6BAE13F5BB61}" type="datetimeFigureOut">
+              <a:rPr lang="en-US">
+                <a:solidFill>
+                  <a:prstClr val="black">
+                    <a:tint val="75000"/>
+                  </a:prstClr>
+                </a:solidFill>
+                <a:latin typeface="Calibri"/>
+              </a:rPr>
               <a:pPr/>
               <a:t>06/12/15</a:t>
             </a:fld>
-            <a:endParaRPr lang="en-US"/>
+            <a:endParaRPr lang="en-US">
+              <a:solidFill>
+                <a:prstClr val="black">
+                  <a:tint val="75000"/>
+                </a:prstClr>
+              </a:solidFill>
+              <a:latin typeface="Calibri"/>
+            </a:endParaRPr>
           </a:p>
         </p:txBody>
       </p:sp>
@@ -1349,7 +1563,14 @@
           <a:bodyPr/>
           <a:lstStyle/>
           <a:p>
-            <a:endParaRPr lang="en-US"/>
+            <a:endParaRPr lang="en-US">
+              <a:solidFill>
+                <a:prstClr val="black">
+                  <a:tint val="75000"/>
+                </a:prstClr>
+              </a:solidFill>
+              <a:latin typeface="Calibri"/>
+            </a:endParaRPr>
           </a:p>
         </p:txBody>
       </p:sp>
@@ -1368,16 +1589,35 @@
           <a:bodyPr/>
           <a:lstStyle/>
           <a:p>
-            <a:fld id="{B6F15528-21DE-4FAA-801E-634DDDAF4B2B}" type="slidenum">
-              <a:rPr lang="en-US" smtClean="0"/>
+            <a:fld id="{59192886-7455-8947-95E8-6B7BFD7BD4A7}" type="slidenum">
+              <a:rPr lang="en-US">
+                <a:solidFill>
+                  <a:prstClr val="black">
+                    <a:tint val="75000"/>
+                  </a:prstClr>
+                </a:solidFill>
+                <a:latin typeface="Calibri"/>
+              </a:rPr>
               <a:pPr/>
               <a:t>‹#›</a:t>
             </a:fld>
-            <a:endParaRPr lang="en-US"/>
+            <a:endParaRPr lang="en-US">
+              <a:solidFill>
+                <a:prstClr val="black">
+                  <a:tint val="75000"/>
+                </a:prstClr>
+              </a:solidFill>
+              <a:latin typeface="Calibri"/>
+            </a:endParaRPr>
           </a:p>
         </p:txBody>
       </p:sp>
     </p:spTree>
+    <p:extLst>
+      <p:ext uri="{BB962C8B-B14F-4D97-AF65-F5344CB8AC3E}">
+        <p14:creationId xmlns:p14="http://schemas.microsoft.com/office/powerpoint/2010/main" val="1668782115"/>
+      </p:ext>
+    </p:extLst>
   </p:cSld>
   <p:clrMapOvr>
     <a:masterClrMapping/>
@@ -1744,12 +1984,26 @@
           <a:bodyPr/>
           <a:lstStyle/>
           <a:p>
-            <a:fld id="{1D8BD707-D9CF-40AE-B4C6-C98DA3205C09}" type="datetimeFigureOut">
-              <a:rPr lang="en-US" smtClean="0"/>
+            <a:fld id="{3727E61C-E00D-914F-B99B-6BAE13F5BB61}" type="datetimeFigureOut">
+              <a:rPr lang="en-US">
+                <a:solidFill>
+                  <a:prstClr val="black">
+                    <a:tint val="75000"/>
+                  </a:prstClr>
+                </a:solidFill>
+                <a:latin typeface="Calibri"/>
+              </a:rPr>
               <a:pPr/>
               <a:t>06/12/15</a:t>
             </a:fld>
-            <a:endParaRPr lang="en-US"/>
+            <a:endParaRPr lang="en-US">
+              <a:solidFill>
+                <a:prstClr val="black">
+                  <a:tint val="75000"/>
+                </a:prstClr>
+              </a:solidFill>
+              <a:latin typeface="Calibri"/>
+            </a:endParaRPr>
           </a:p>
         </p:txBody>
       </p:sp>
@@ -1768,7 +2022,14 @@
           <a:bodyPr/>
           <a:lstStyle/>
           <a:p>
-            <a:endParaRPr lang="en-US"/>
+            <a:endParaRPr lang="en-US">
+              <a:solidFill>
+                <a:prstClr val="black">
+                  <a:tint val="75000"/>
+                </a:prstClr>
+              </a:solidFill>
+              <a:latin typeface="Calibri"/>
+            </a:endParaRPr>
           </a:p>
         </p:txBody>
       </p:sp>
@@ -1787,16 +2048,35 @@
           <a:bodyPr/>
           <a:lstStyle/>
           <a:p>
-            <a:fld id="{B6F15528-21DE-4FAA-801E-634DDDAF4B2B}" type="slidenum">
-              <a:rPr lang="en-US" smtClean="0"/>
+            <a:fld id="{59192886-7455-8947-95E8-6B7BFD7BD4A7}" type="slidenum">
+              <a:rPr lang="en-US">
+                <a:solidFill>
+                  <a:prstClr val="black">
+                    <a:tint val="75000"/>
+                  </a:prstClr>
+                </a:solidFill>
+                <a:latin typeface="Calibri"/>
+              </a:rPr>
               <a:pPr/>
               <a:t>‹#›</a:t>
             </a:fld>
-            <a:endParaRPr lang="en-US"/>
+            <a:endParaRPr lang="en-US">
+              <a:solidFill>
+                <a:prstClr val="black">
+                  <a:tint val="75000"/>
+                </a:prstClr>
+              </a:solidFill>
+              <a:latin typeface="Calibri"/>
+            </a:endParaRPr>
           </a:p>
         </p:txBody>
       </p:sp>
     </p:spTree>
+    <p:extLst>
+      <p:ext uri="{BB962C8B-B14F-4D97-AF65-F5344CB8AC3E}">
+        <p14:creationId xmlns:p14="http://schemas.microsoft.com/office/powerpoint/2010/main" val="3434557765"/>
+      </p:ext>
+    </p:extLst>
   </p:cSld>
   <p:clrMapOvr>
     <a:masterClrMapping/>
@@ -1859,12 +2139,26 @@
           <a:bodyPr/>
           <a:lstStyle/>
           <a:p>
-            <a:fld id="{1D8BD707-D9CF-40AE-B4C6-C98DA3205C09}" type="datetimeFigureOut">
-              <a:rPr lang="en-US" smtClean="0"/>
+            <a:fld id="{3727E61C-E00D-914F-B99B-6BAE13F5BB61}" type="datetimeFigureOut">
+              <a:rPr lang="en-US">
+                <a:solidFill>
+                  <a:prstClr val="black">
+                    <a:tint val="75000"/>
+                  </a:prstClr>
+                </a:solidFill>
+                <a:latin typeface="Calibri"/>
+              </a:rPr>
               <a:pPr/>
               <a:t>06/12/15</a:t>
             </a:fld>
-            <a:endParaRPr lang="en-US"/>
+            <a:endParaRPr lang="en-US">
+              <a:solidFill>
+                <a:prstClr val="black">
+                  <a:tint val="75000"/>
+                </a:prstClr>
+              </a:solidFill>
+              <a:latin typeface="Calibri"/>
+            </a:endParaRPr>
           </a:p>
         </p:txBody>
       </p:sp>
@@ -1883,7 +2177,14 @@
           <a:bodyPr/>
           <a:lstStyle/>
           <a:p>
-            <a:endParaRPr lang="en-US"/>
+            <a:endParaRPr lang="en-US">
+              <a:solidFill>
+                <a:prstClr val="black">
+                  <a:tint val="75000"/>
+                </a:prstClr>
+              </a:solidFill>
+              <a:latin typeface="Calibri"/>
+            </a:endParaRPr>
           </a:p>
         </p:txBody>
       </p:sp>
@@ -1902,16 +2203,35 @@
           <a:bodyPr/>
           <a:lstStyle/>
           <a:p>
-            <a:fld id="{B6F15528-21DE-4FAA-801E-634DDDAF4B2B}" type="slidenum">
-              <a:rPr lang="en-US" smtClean="0"/>
+            <a:fld id="{59192886-7455-8947-95E8-6B7BFD7BD4A7}" type="slidenum">
+              <a:rPr lang="en-US">
+                <a:solidFill>
+                  <a:prstClr val="black">
+                    <a:tint val="75000"/>
+                  </a:prstClr>
+                </a:solidFill>
+                <a:latin typeface="Calibri"/>
+              </a:rPr>
               <a:pPr/>
               <a:t>‹#›</a:t>
             </a:fld>
-            <a:endParaRPr lang="en-US"/>
+            <a:endParaRPr lang="en-US">
+              <a:solidFill>
+                <a:prstClr val="black">
+                  <a:tint val="75000"/>
+                </a:prstClr>
+              </a:solidFill>
+              <a:latin typeface="Calibri"/>
+            </a:endParaRPr>
           </a:p>
         </p:txBody>
       </p:sp>
     </p:spTree>
+    <p:extLst>
+      <p:ext uri="{BB962C8B-B14F-4D97-AF65-F5344CB8AC3E}">
+        <p14:creationId xmlns:p14="http://schemas.microsoft.com/office/powerpoint/2010/main" val="2840599591"/>
+      </p:ext>
+    </p:extLst>
   </p:cSld>
   <p:clrMapOvr>
     <a:masterClrMapping/>
@@ -1951,12 +2271,26 @@
           <a:bodyPr/>
           <a:lstStyle/>
           <a:p>
-            <a:fld id="{1D8BD707-D9CF-40AE-B4C6-C98DA3205C09}" type="datetimeFigureOut">
-              <a:rPr lang="en-US" smtClean="0"/>
+            <a:fld id="{3727E61C-E00D-914F-B99B-6BAE13F5BB61}" type="datetimeFigureOut">
+              <a:rPr lang="en-US">
+                <a:solidFill>
+                  <a:prstClr val="black">
+                    <a:tint val="75000"/>
+                  </a:prstClr>
+                </a:solidFill>
+                <a:latin typeface="Calibri"/>
+              </a:rPr>
               <a:pPr/>
               <a:t>06/12/15</a:t>
             </a:fld>
-            <a:endParaRPr lang="en-US"/>
+            <a:endParaRPr lang="en-US">
+              <a:solidFill>
+                <a:prstClr val="black">
+                  <a:tint val="75000"/>
+                </a:prstClr>
+              </a:solidFill>
+              <a:latin typeface="Calibri"/>
+            </a:endParaRPr>
           </a:p>
         </p:txBody>
       </p:sp>
@@ -1975,7 +2309,14 @@
           <a:bodyPr/>
           <a:lstStyle/>
           <a:p>
-            <a:endParaRPr lang="en-US"/>
+            <a:endParaRPr lang="en-US">
+              <a:solidFill>
+                <a:prstClr val="black">
+                  <a:tint val="75000"/>
+                </a:prstClr>
+              </a:solidFill>
+              <a:latin typeface="Calibri"/>
+            </a:endParaRPr>
           </a:p>
         </p:txBody>
       </p:sp>
@@ -1994,16 +2335,35 @@
           <a:bodyPr/>
           <a:lstStyle/>
           <a:p>
-            <a:fld id="{B6F15528-21DE-4FAA-801E-634DDDAF4B2B}" type="slidenum">
-              <a:rPr lang="en-US" smtClean="0"/>
+            <a:fld id="{59192886-7455-8947-95E8-6B7BFD7BD4A7}" type="slidenum">
+              <a:rPr lang="en-US">
+                <a:solidFill>
+                  <a:prstClr val="black">
+                    <a:tint val="75000"/>
+                  </a:prstClr>
+                </a:solidFill>
+                <a:latin typeface="Calibri"/>
+              </a:rPr>
               <a:pPr/>
               <a:t>‹#›</a:t>
             </a:fld>
-            <a:endParaRPr lang="en-US"/>
+            <a:endParaRPr lang="en-US">
+              <a:solidFill>
+                <a:prstClr val="black">
+                  <a:tint val="75000"/>
+                </a:prstClr>
+              </a:solidFill>
+              <a:latin typeface="Calibri"/>
+            </a:endParaRPr>
           </a:p>
         </p:txBody>
       </p:sp>
     </p:spTree>
+    <p:extLst>
+      <p:ext uri="{BB962C8B-B14F-4D97-AF65-F5344CB8AC3E}">
+        <p14:creationId xmlns:p14="http://schemas.microsoft.com/office/powerpoint/2010/main" val="4031164089"/>
+      </p:ext>
+    </p:extLst>
   </p:cSld>
   <p:clrMapOvr>
     <a:masterClrMapping/>
@@ -2225,12 +2585,26 @@
           <a:bodyPr/>
           <a:lstStyle/>
           <a:p>
-            <a:fld id="{1D8BD707-D9CF-40AE-B4C6-C98DA3205C09}" type="datetimeFigureOut">
-              <a:rPr lang="en-US" smtClean="0"/>
+            <a:fld id="{3727E61C-E00D-914F-B99B-6BAE13F5BB61}" type="datetimeFigureOut">
+              <a:rPr lang="en-US">
+                <a:solidFill>
+                  <a:prstClr val="black">
+                    <a:tint val="75000"/>
+                  </a:prstClr>
+                </a:solidFill>
+                <a:latin typeface="Calibri"/>
+              </a:rPr>
               <a:pPr/>
               <a:t>06/12/15</a:t>
             </a:fld>
-            <a:endParaRPr lang="en-US"/>
+            <a:endParaRPr lang="en-US">
+              <a:solidFill>
+                <a:prstClr val="black">
+                  <a:tint val="75000"/>
+                </a:prstClr>
+              </a:solidFill>
+              <a:latin typeface="Calibri"/>
+            </a:endParaRPr>
           </a:p>
         </p:txBody>
       </p:sp>
@@ -2249,7 +2623,14 @@
           <a:bodyPr/>
           <a:lstStyle/>
           <a:p>
-            <a:endParaRPr lang="en-US"/>
+            <a:endParaRPr lang="en-US">
+              <a:solidFill>
+                <a:prstClr val="black">
+                  <a:tint val="75000"/>
+                </a:prstClr>
+              </a:solidFill>
+              <a:latin typeface="Calibri"/>
+            </a:endParaRPr>
           </a:p>
         </p:txBody>
       </p:sp>
@@ -2268,16 +2649,35 @@
           <a:bodyPr/>
           <a:lstStyle/>
           <a:p>
-            <a:fld id="{B6F15528-21DE-4FAA-801E-634DDDAF4B2B}" type="slidenum">
-              <a:rPr lang="en-US" smtClean="0"/>
+            <a:fld id="{59192886-7455-8947-95E8-6B7BFD7BD4A7}" type="slidenum">
+              <a:rPr lang="en-US">
+                <a:solidFill>
+                  <a:prstClr val="black">
+                    <a:tint val="75000"/>
+                  </a:prstClr>
+                </a:solidFill>
+                <a:latin typeface="Calibri"/>
+              </a:rPr>
               <a:pPr/>
               <a:t>‹#›</a:t>
             </a:fld>
-            <a:endParaRPr lang="en-US"/>
+            <a:endParaRPr lang="en-US">
+              <a:solidFill>
+                <a:prstClr val="black">
+                  <a:tint val="75000"/>
+                </a:prstClr>
+              </a:solidFill>
+              <a:latin typeface="Calibri"/>
+            </a:endParaRPr>
           </a:p>
         </p:txBody>
       </p:sp>
     </p:spTree>
+    <p:extLst>
+      <p:ext uri="{BB962C8B-B14F-4D97-AF65-F5344CB8AC3E}">
+        <p14:creationId xmlns:p14="http://schemas.microsoft.com/office/powerpoint/2010/main" val="3677896357"/>
+      </p:ext>
+    </p:extLst>
   </p:cSld>
   <p:clrMapOvr>
     <a:masterClrMapping/>
@@ -2475,12 +2875,26 @@
           <a:bodyPr/>
           <a:lstStyle/>
           <a:p>
-            <a:fld id="{1D8BD707-D9CF-40AE-B4C6-C98DA3205C09}" type="datetimeFigureOut">
-              <a:rPr lang="en-US" smtClean="0"/>
+            <a:fld id="{3727E61C-E00D-914F-B99B-6BAE13F5BB61}" type="datetimeFigureOut">
+              <a:rPr lang="en-US">
+                <a:solidFill>
+                  <a:prstClr val="black">
+                    <a:tint val="75000"/>
+                  </a:prstClr>
+                </a:solidFill>
+                <a:latin typeface="Calibri"/>
+              </a:rPr>
               <a:pPr/>
               <a:t>06/12/15</a:t>
             </a:fld>
-            <a:endParaRPr lang="en-US"/>
+            <a:endParaRPr lang="en-US">
+              <a:solidFill>
+                <a:prstClr val="black">
+                  <a:tint val="75000"/>
+                </a:prstClr>
+              </a:solidFill>
+              <a:latin typeface="Calibri"/>
+            </a:endParaRPr>
           </a:p>
         </p:txBody>
       </p:sp>
@@ -2499,7 +2913,14 @@
           <a:bodyPr/>
           <a:lstStyle/>
           <a:p>
-            <a:endParaRPr lang="en-US"/>
+            <a:endParaRPr lang="en-US">
+              <a:solidFill>
+                <a:prstClr val="black">
+                  <a:tint val="75000"/>
+                </a:prstClr>
+              </a:solidFill>
+              <a:latin typeface="Calibri"/>
+            </a:endParaRPr>
           </a:p>
         </p:txBody>
       </p:sp>
@@ -2518,16 +2939,35 @@
           <a:bodyPr/>
           <a:lstStyle/>
           <a:p>
-            <a:fld id="{B6F15528-21DE-4FAA-801E-634DDDAF4B2B}" type="slidenum">
-              <a:rPr lang="en-US" smtClean="0"/>
+            <a:fld id="{59192886-7455-8947-95E8-6B7BFD7BD4A7}" type="slidenum">
+              <a:rPr lang="en-US">
+                <a:solidFill>
+                  <a:prstClr val="black">
+                    <a:tint val="75000"/>
+                  </a:prstClr>
+                </a:solidFill>
+                <a:latin typeface="Calibri"/>
+              </a:rPr>
               <a:pPr/>
               <a:t>‹#›</a:t>
             </a:fld>
-            <a:endParaRPr lang="en-US"/>
+            <a:endParaRPr lang="en-US">
+              <a:solidFill>
+                <a:prstClr val="black">
+                  <a:tint val="75000"/>
+                </a:prstClr>
+              </a:solidFill>
+              <a:latin typeface="Calibri"/>
+            </a:endParaRPr>
           </a:p>
         </p:txBody>
       </p:sp>
     </p:spTree>
+    <p:extLst>
+      <p:ext uri="{BB962C8B-B14F-4D97-AF65-F5344CB8AC3E}">
+        <p14:creationId xmlns:p14="http://schemas.microsoft.com/office/powerpoint/2010/main" val="1159590399"/>
+      </p:ext>
+    </p:extLst>
   </p:cSld>
   <p:clrMapOvr>
     <a:masterClrMapping/>
@@ -2539,12 +2979,9 @@
 <p:sldMaster xmlns:a="http://schemas.openxmlformats.org/drawingml/2006/main" xmlns:r="http://schemas.openxmlformats.org/officeDocument/2006/relationships" xmlns:p="http://schemas.openxmlformats.org/presentationml/2006/main">
   <p:cSld>
     <p:bg>
-      <p:bgPr>
-        <a:solidFill>
-          <a:schemeClr val="tx1"/>
-        </a:solidFill>
-        <a:effectLst/>
-      </p:bgPr>
+      <p:bgRef idx="1001">
+        <a:schemeClr val="bg1"/>
+      </p:bgRef>
     </p:bg>
     <p:spTree>
       <p:nvGrpSpPr>
@@ -2688,12 +3125,27 @@
             </a:lvl1pPr>
           </a:lstStyle>
           <a:p>
-            <a:fld id="{1D8BD707-D9CF-40AE-B4C6-C98DA3205C09}" type="datetimeFigureOut">
-              <a:rPr lang="en-US" smtClean="0"/>
-              <a:pPr/>
+            <a:pPr defTabSz="457200"/>
+            <a:fld id="{3727E61C-E00D-914F-B99B-6BAE13F5BB61}" type="datetimeFigureOut">
+              <a:rPr lang="en-US" smtClean="0">
+                <a:solidFill>
+                  <a:prstClr val="black">
+                    <a:tint val="75000"/>
+                  </a:prstClr>
+                </a:solidFill>
+                <a:latin typeface="Calibri"/>
+              </a:rPr>
+              <a:pPr defTabSz="457200"/>
               <a:t>06/12/15</a:t>
             </a:fld>
-            <a:endParaRPr lang="en-US"/>
+            <a:endParaRPr lang="en-US" smtClean="0">
+              <a:solidFill>
+                <a:prstClr val="black">
+                  <a:tint val="75000"/>
+                </a:prstClr>
+              </a:solidFill>
+              <a:latin typeface="Calibri"/>
+            </a:endParaRPr>
           </a:p>
         </p:txBody>
       </p:sp>
@@ -2730,7 +3182,15 @@
             </a:lvl1pPr>
           </a:lstStyle>
           <a:p>
-            <a:endParaRPr lang="en-US"/>
+            <a:pPr defTabSz="457200"/>
+            <a:endParaRPr lang="en-US" smtClean="0">
+              <a:solidFill>
+                <a:prstClr val="black">
+                  <a:tint val="75000"/>
+                </a:prstClr>
+              </a:solidFill>
+              <a:latin typeface="Calibri"/>
+            </a:endParaRPr>
           </a:p>
         </p:txBody>
       </p:sp>
@@ -2767,34 +3227,54 @@
             </a:lvl1pPr>
           </a:lstStyle>
           <a:p>
-            <a:fld id="{B6F15528-21DE-4FAA-801E-634DDDAF4B2B}" type="slidenum">
-              <a:rPr lang="en-US" smtClean="0"/>
-              <a:pPr/>
+            <a:pPr defTabSz="457200"/>
+            <a:fld id="{59192886-7455-8947-95E8-6B7BFD7BD4A7}" type="slidenum">
+              <a:rPr lang="en-US" smtClean="0">
+                <a:solidFill>
+                  <a:prstClr val="black">
+                    <a:tint val="75000"/>
+                  </a:prstClr>
+                </a:solidFill>
+                <a:latin typeface="Calibri"/>
+              </a:rPr>
+              <a:pPr defTabSz="457200"/>
               <a:t>‹#›</a:t>
             </a:fld>
-            <a:endParaRPr lang="en-US"/>
+            <a:endParaRPr lang="en-US" smtClean="0">
+              <a:solidFill>
+                <a:prstClr val="black">
+                  <a:tint val="75000"/>
+                </a:prstClr>
+              </a:solidFill>
+              <a:latin typeface="Calibri"/>
+            </a:endParaRPr>
           </a:p>
         </p:txBody>
       </p:sp>
     </p:spTree>
+    <p:extLst>
+      <p:ext uri="{BB962C8B-B14F-4D97-AF65-F5344CB8AC3E}">
+        <p14:creationId xmlns:p14="http://schemas.microsoft.com/office/powerpoint/2010/main" val="477894223"/>
+      </p:ext>
+    </p:extLst>
   </p:cSld>
   <p:clrMap bg1="lt1" tx1="dk1" bg2="lt2" tx2="dk2" accent1="accent1" accent2="accent2" accent3="accent3" accent4="accent4" accent5="accent5" accent6="accent6" hlink="hlink" folHlink="folHlink"/>
   <p:sldLayoutIdLst>
-    <p:sldLayoutId id="2147483649" r:id="rId1"/>
-    <p:sldLayoutId id="2147483650" r:id="rId2"/>
-    <p:sldLayoutId id="2147483651" r:id="rId3"/>
-    <p:sldLayoutId id="2147483652" r:id="rId4"/>
-    <p:sldLayoutId id="2147483653" r:id="rId5"/>
-    <p:sldLayoutId id="2147483654" r:id="rId6"/>
-    <p:sldLayoutId id="2147483655" r:id="rId7"/>
-    <p:sldLayoutId id="2147483656" r:id="rId8"/>
-    <p:sldLayoutId id="2147483657" r:id="rId9"/>
-    <p:sldLayoutId id="2147483658" r:id="rId10"/>
-    <p:sldLayoutId id="2147483659" r:id="rId11"/>
+    <p:sldLayoutId id="2147483661" r:id="rId1"/>
+    <p:sldLayoutId id="2147483662" r:id="rId2"/>
+    <p:sldLayoutId id="2147483663" r:id="rId3"/>
+    <p:sldLayoutId id="2147483664" r:id="rId4"/>
+    <p:sldLayoutId id="2147483665" r:id="rId5"/>
+    <p:sldLayoutId id="2147483666" r:id="rId6"/>
+    <p:sldLayoutId id="2147483667" r:id="rId7"/>
+    <p:sldLayoutId id="2147483668" r:id="rId8"/>
+    <p:sldLayoutId id="2147483669" r:id="rId9"/>
+    <p:sldLayoutId id="2147483670" r:id="rId10"/>
+    <p:sldLayoutId id="2147483671" r:id="rId11"/>
   </p:sldLayoutIdLst>
   <p:txStyles>
     <p:titleStyle>
-      <a:lvl1pPr algn="ctr" defTabSz="914400" rtl="0" eaLnBrk="1" latinLnBrk="0" hangingPunct="1">
+      <a:lvl1pPr algn="ctr" defTabSz="457200" rtl="0" eaLnBrk="1" latinLnBrk="0" hangingPunct="1">
         <a:spcBef>
           <a:spcPct val="0"/>
         </a:spcBef>
@@ -2810,11 +3290,11 @@
       </a:lvl1pPr>
     </p:titleStyle>
     <p:bodyStyle>
-      <a:lvl1pPr marL="342900" indent="-342900" algn="l" defTabSz="914400" rtl="0" eaLnBrk="1" latinLnBrk="0" hangingPunct="1">
+      <a:lvl1pPr marL="342900" indent="-342900" algn="l" defTabSz="457200" rtl="0" eaLnBrk="1" latinLnBrk="0" hangingPunct="1">
         <a:spcBef>
           <a:spcPct val="20000"/>
         </a:spcBef>
-        <a:buFont typeface="Arial" pitchFamily="34" charset="0"/>
+        <a:buFont typeface="Arial"/>
         <a:buChar char="•"/>
         <a:defRPr sz="3200" kern="1200">
           <a:solidFill>
@@ -2825,11 +3305,11 @@
           <a:cs typeface="+mn-cs"/>
         </a:defRPr>
       </a:lvl1pPr>
-      <a:lvl2pPr marL="742950" indent="-285750" algn="l" defTabSz="914400" rtl="0" eaLnBrk="1" latinLnBrk="0" hangingPunct="1">
+      <a:lvl2pPr marL="742950" indent="-285750" algn="l" defTabSz="457200" rtl="0" eaLnBrk="1" latinLnBrk="0" hangingPunct="1">
         <a:spcBef>
           <a:spcPct val="20000"/>
         </a:spcBef>
-        <a:buFont typeface="Arial" pitchFamily="34" charset="0"/>
+        <a:buFont typeface="Arial"/>
         <a:buChar char="–"/>
         <a:defRPr sz="2800" kern="1200">
           <a:solidFill>
@@ -2840,11 +3320,11 @@
           <a:cs typeface="+mn-cs"/>
         </a:defRPr>
       </a:lvl2pPr>
-      <a:lvl3pPr marL="1143000" indent="-228600" algn="l" defTabSz="914400" rtl="0" eaLnBrk="1" latinLnBrk="0" hangingPunct="1">
+      <a:lvl3pPr marL="1143000" indent="-228600" algn="l" defTabSz="457200" rtl="0" eaLnBrk="1" latinLnBrk="0" hangingPunct="1">
         <a:spcBef>
           <a:spcPct val="20000"/>
         </a:spcBef>
-        <a:buFont typeface="Arial" pitchFamily="34" charset="0"/>
+        <a:buFont typeface="Arial"/>
         <a:buChar char="•"/>
         <a:defRPr sz="2400" kern="1200">
           <a:solidFill>
@@ -2855,11 +3335,11 @@
           <a:cs typeface="+mn-cs"/>
         </a:defRPr>
       </a:lvl3pPr>
-      <a:lvl4pPr marL="1600200" indent="-228600" algn="l" defTabSz="914400" rtl="0" eaLnBrk="1" latinLnBrk="0" hangingPunct="1">
+      <a:lvl4pPr marL="1600200" indent="-228600" algn="l" defTabSz="457200" rtl="0" eaLnBrk="1" latinLnBrk="0" hangingPunct="1">
         <a:spcBef>
           <a:spcPct val="20000"/>
         </a:spcBef>
-        <a:buFont typeface="Arial" pitchFamily="34" charset="0"/>
+        <a:buFont typeface="Arial"/>
         <a:buChar char="–"/>
         <a:defRPr sz="2000" kern="1200">
           <a:solidFill>
@@ -2870,11 +3350,11 @@
           <a:cs typeface="+mn-cs"/>
         </a:defRPr>
       </a:lvl4pPr>
-      <a:lvl5pPr marL="2057400" indent="-228600" algn="l" defTabSz="914400" rtl="0" eaLnBrk="1" latinLnBrk="0" hangingPunct="1">
+      <a:lvl5pPr marL="2057400" indent="-228600" algn="l" defTabSz="457200" rtl="0" eaLnBrk="1" latinLnBrk="0" hangingPunct="1">
         <a:spcBef>
           <a:spcPct val="20000"/>
         </a:spcBef>
-        <a:buFont typeface="Arial" pitchFamily="34" charset="0"/>
+        <a:buFont typeface="Arial"/>
         <a:buChar char="»"/>
         <a:defRPr sz="2000" kern="1200">
           <a:solidFill>
@@ -2885,11 +3365,11 @@
           <a:cs typeface="+mn-cs"/>
         </a:defRPr>
       </a:lvl5pPr>
-      <a:lvl6pPr marL="2514600" indent="-228600" algn="l" defTabSz="914400" rtl="0" eaLnBrk="1" latinLnBrk="0" hangingPunct="1">
+      <a:lvl6pPr marL="2514600" indent="-228600" algn="l" defTabSz="457200" rtl="0" eaLnBrk="1" latinLnBrk="0" hangingPunct="1">
         <a:spcBef>
           <a:spcPct val="20000"/>
         </a:spcBef>
-        <a:buFont typeface="Arial" pitchFamily="34" charset="0"/>
+        <a:buFont typeface="Arial"/>
         <a:buChar char="•"/>
         <a:defRPr sz="2000" kern="1200">
           <a:solidFill>
@@ -2900,11 +3380,11 @@
           <a:cs typeface="+mn-cs"/>
         </a:defRPr>
       </a:lvl6pPr>
-      <a:lvl7pPr marL="2971800" indent="-228600" algn="l" defTabSz="914400" rtl="0" eaLnBrk="1" latinLnBrk="0" hangingPunct="1">
+      <a:lvl7pPr marL="2971800" indent="-228600" algn="l" defTabSz="457200" rtl="0" eaLnBrk="1" latinLnBrk="0" hangingPunct="1">
         <a:spcBef>
           <a:spcPct val="20000"/>
         </a:spcBef>
-        <a:buFont typeface="Arial" pitchFamily="34" charset="0"/>
+        <a:buFont typeface="Arial"/>
         <a:buChar char="•"/>
         <a:defRPr sz="2000" kern="1200">
           <a:solidFill>
@@ -2915,11 +3395,11 @@
           <a:cs typeface="+mn-cs"/>
         </a:defRPr>
       </a:lvl7pPr>
-      <a:lvl8pPr marL="3429000" indent="-228600" algn="l" defTabSz="914400" rtl="0" eaLnBrk="1" latinLnBrk="0" hangingPunct="1">
+      <a:lvl8pPr marL="3429000" indent="-228600" algn="l" defTabSz="457200" rtl="0" eaLnBrk="1" latinLnBrk="0" hangingPunct="1">
         <a:spcBef>
           <a:spcPct val="20000"/>
         </a:spcBef>
-        <a:buFont typeface="Arial" pitchFamily="34" charset="0"/>
+        <a:buFont typeface="Arial"/>
         <a:buChar char="•"/>
         <a:defRPr sz="2000" kern="1200">
           <a:solidFill>
@@ -2930,11 +3410,11 @@
           <a:cs typeface="+mn-cs"/>
         </a:defRPr>
       </a:lvl8pPr>
-      <a:lvl9pPr marL="3886200" indent="-228600" algn="l" defTabSz="914400" rtl="0" eaLnBrk="1" latinLnBrk="0" hangingPunct="1">
+      <a:lvl9pPr marL="3886200" indent="-228600" algn="l" defTabSz="457200" rtl="0" eaLnBrk="1" latinLnBrk="0" hangingPunct="1">
         <a:spcBef>
           <a:spcPct val="20000"/>
         </a:spcBef>
-        <a:buFont typeface="Arial" pitchFamily="34" charset="0"/>
+        <a:buFont typeface="Arial"/>
         <a:buChar char="•"/>
         <a:defRPr sz="2000" kern="1200">
           <a:solidFill>
@@ -2950,7 +3430,7 @@
       <a:defPPr>
         <a:defRPr lang="en-US"/>
       </a:defPPr>
-      <a:lvl1pPr marL="0" algn="l" defTabSz="914400" rtl="0" eaLnBrk="1" latinLnBrk="0" hangingPunct="1">
+      <a:lvl1pPr marL="0" algn="l" defTabSz="457200" rtl="0" eaLnBrk="1" latinLnBrk="0" hangingPunct="1">
         <a:defRPr sz="1800" kern="1200">
           <a:solidFill>
             <a:schemeClr val="tx1"/>
@@ -2960,7 +3440,7 @@
           <a:cs typeface="+mn-cs"/>
         </a:defRPr>
       </a:lvl1pPr>
-      <a:lvl2pPr marL="457200" algn="l" defTabSz="914400" rtl="0" eaLnBrk="1" latinLnBrk="0" hangingPunct="1">
+      <a:lvl2pPr marL="457200" algn="l" defTabSz="457200" rtl="0" eaLnBrk="1" latinLnBrk="0" hangingPunct="1">
         <a:defRPr sz="1800" kern="1200">
           <a:solidFill>
             <a:schemeClr val="tx1"/>
@@ -2970,7 +3450,7 @@
           <a:cs typeface="+mn-cs"/>
         </a:defRPr>
       </a:lvl2pPr>
-      <a:lvl3pPr marL="914400" algn="l" defTabSz="914400" rtl="0" eaLnBrk="1" latinLnBrk="0" hangingPunct="1">
+      <a:lvl3pPr marL="914400" algn="l" defTabSz="457200" rtl="0" eaLnBrk="1" latinLnBrk="0" hangingPunct="1">
         <a:defRPr sz="1800" kern="1200">
           <a:solidFill>
             <a:schemeClr val="tx1"/>
@@ -2980,7 +3460,7 @@
           <a:cs typeface="+mn-cs"/>
         </a:defRPr>
       </a:lvl3pPr>
-      <a:lvl4pPr marL="1371600" algn="l" defTabSz="914400" rtl="0" eaLnBrk="1" latinLnBrk="0" hangingPunct="1">
+      <a:lvl4pPr marL="1371600" algn="l" defTabSz="457200" rtl="0" eaLnBrk="1" latinLnBrk="0" hangingPunct="1">
         <a:defRPr sz="1800" kern="1200">
           <a:solidFill>
             <a:schemeClr val="tx1"/>
@@ -2990,7 +3470,7 @@
           <a:cs typeface="+mn-cs"/>
         </a:defRPr>
       </a:lvl4pPr>
-      <a:lvl5pPr marL="1828800" algn="l" defTabSz="914400" rtl="0" eaLnBrk="1" latinLnBrk="0" hangingPunct="1">
+      <a:lvl5pPr marL="1828800" algn="l" defTabSz="457200" rtl="0" eaLnBrk="1" latinLnBrk="0" hangingPunct="1">
         <a:defRPr sz="1800" kern="1200">
           <a:solidFill>
             <a:schemeClr val="tx1"/>
@@ -3000,7 +3480,7 @@
           <a:cs typeface="+mn-cs"/>
         </a:defRPr>
       </a:lvl5pPr>
-      <a:lvl6pPr marL="2286000" algn="l" defTabSz="914400" rtl="0" eaLnBrk="1" latinLnBrk="0" hangingPunct="1">
+      <a:lvl6pPr marL="2286000" algn="l" defTabSz="457200" rtl="0" eaLnBrk="1" latinLnBrk="0" hangingPunct="1">
         <a:defRPr sz="1800" kern="1200">
           <a:solidFill>
             <a:schemeClr val="tx1"/>
@@ -3010,7 +3490,7 @@
           <a:cs typeface="+mn-cs"/>
         </a:defRPr>
       </a:lvl6pPr>
-      <a:lvl7pPr marL="2743200" algn="l" defTabSz="914400" rtl="0" eaLnBrk="1" latinLnBrk="0" hangingPunct="1">
+      <a:lvl7pPr marL="2743200" algn="l" defTabSz="457200" rtl="0" eaLnBrk="1" latinLnBrk="0" hangingPunct="1">
         <a:defRPr sz="1800" kern="1200">
           <a:solidFill>
             <a:schemeClr val="tx1"/>
@@ -3020,7 +3500,7 @@
           <a:cs typeface="+mn-cs"/>
         </a:defRPr>
       </a:lvl7pPr>
-      <a:lvl8pPr marL="3200400" algn="l" defTabSz="914400" rtl="0" eaLnBrk="1" latinLnBrk="0" hangingPunct="1">
+      <a:lvl8pPr marL="3200400" algn="l" defTabSz="457200" rtl="0" eaLnBrk="1" latinLnBrk="0" hangingPunct="1">
         <a:defRPr sz="1800" kern="1200">
           <a:solidFill>
             <a:schemeClr val="tx1"/>
@@ -3030,7 +3510,7 @@
           <a:cs typeface="+mn-cs"/>
         </a:defRPr>
       </a:lvl8pPr>
-      <a:lvl9pPr marL="3657600" algn="l" defTabSz="914400" rtl="0" eaLnBrk="1" latinLnBrk="0" hangingPunct="1">
+      <a:lvl9pPr marL="3657600" algn="l" defTabSz="457200" rtl="0" eaLnBrk="1" latinLnBrk="0" hangingPunct="1">
         <a:defRPr sz="1800" kern="1200">
           <a:solidFill>
             <a:schemeClr val="tx1"/>
@@ -3081,23 +3561,19 @@
           <a:bodyPr anchor="ctr"/>
           <a:lstStyle/>
           <a:p>
-            <a:pPr algn="ctr">
-              <a:lnSpc>
-                <a:spcPct val="100000"/>
-              </a:lnSpc>
-            </a:pPr>
-            <a:r>
-              <a:rPr lang="en-US" sz="3200" b="1" i="0" dirty="0" err="1" smtClean="0">
-                <a:solidFill>
-                  <a:schemeClr val="bg1"/>
+            <a:pPr algn="ctr" defTabSz="457200"/>
+            <a:r>
+              <a:rPr lang="en-US" sz="3200" b="1" dirty="0" err="1" smtClean="0">
+                <a:solidFill>
+                  <a:srgbClr val="000000"/>
                 </a:solidFill>
                 <a:latin typeface="Calibri"/>
               </a:rPr>
               <a:t>BhajanLyrics</a:t>
             </a:r>
-            <a:endParaRPr lang="en-US" sz="3200" b="1" i="0" dirty="0">
+            <a:endParaRPr lang="en-US" sz="3200" b="1" dirty="0">
               <a:solidFill>
-                <a:schemeClr val="bg1"/>
+                <a:srgbClr val="000000"/>
               </a:solidFill>
               <a:latin typeface="Calibri"/>
             </a:endParaRPr>
@@ -3123,27 +3599,25 @@
           <a:bodyPr/>
           <a:lstStyle/>
           <a:p>
-            <a:pPr algn="ctr">
-              <a:lnSpc>
-                <a:spcPct val="100000"/>
-              </a:lnSpc>
-            </a:pPr>
-            <a:r>
-              <a:rPr lang="en-US" sz="2200" b="1" i="1" dirty="0" err="1" smtClean="0">
-                <a:solidFill>
-                  <a:srgbClr val="FFFFFF"/>
-                </a:solidFill>
-                <a:latin typeface="Times"/>
-                <a:cs typeface="Times"/>
+            <a:pPr algn="ctr" defTabSz="457200"/>
+            <a:r>
+              <a:rPr lang="en-US" sz="2400" b="1" dirty="0" err="1" smtClean="0">
+                <a:solidFill>
+                  <a:srgbClr val="4F81BD">
+                    <a:lumMod val="75000"/>
+                  </a:srgbClr>
+                </a:solidFill>
+                <a:latin typeface="Calibri"/>
               </a:rPr>
               <a:t>EnglishBhajanMeaning</a:t>
             </a:r>
-            <a:endParaRPr lang="en-US" sz="2200" b="1" i="1" dirty="0">
+            <a:endParaRPr lang="en-US" sz="2400" b="1" dirty="0">
               <a:solidFill>
-                <a:srgbClr val="FFFFFF"/>
+                <a:srgbClr val="4F81BD">
+                  <a:lumMod val="75000"/>
+                </a:srgbClr>
               </a:solidFill>
-              <a:latin typeface="Times"/>
-              <a:cs typeface="Times"/>
+              <a:latin typeface="Calibri"/>
             </a:endParaRPr>
           </a:p>
         </p:txBody>
@@ -3167,23 +3641,19 @@
           <a:bodyPr/>
           <a:lstStyle/>
           <a:p>
-            <a:pPr algn="l">
-              <a:lnSpc>
-                <a:spcPct val="100000"/>
-              </a:lnSpc>
-            </a:pPr>
-            <a:r>
-              <a:rPr lang="en-US" sz="2000" b="1" i="0" dirty="0" err="1" smtClean="0">
-                <a:solidFill>
-                  <a:srgbClr val="FFFF00"/>
+            <a:pPr defTabSz="457200"/>
+            <a:r>
+              <a:rPr lang="en-US" sz="2000" b="1" dirty="0" err="1" smtClean="0">
+                <a:solidFill>
+                  <a:srgbClr val="FF0000"/>
                 </a:solidFill>
                 <a:latin typeface="Arial"/>
               </a:rPr>
               <a:t>MyScale</a:t>
             </a:r>
-            <a:endParaRPr lang="en-US" sz="2000" b="1" i="0" dirty="0">
+            <a:endParaRPr lang="en-US" sz="2000" b="1" dirty="0">
               <a:solidFill>
-                <a:srgbClr val="FFFF00"/>
+                <a:srgbClr val="FF0000"/>
               </a:solidFill>
               <a:latin typeface="Arial"/>
             </a:endParaRPr>
@@ -3209,23 +3679,19 @@
           <a:bodyPr/>
           <a:lstStyle/>
           <a:p>
-            <a:pPr algn="l">
-              <a:lnSpc>
-                <a:spcPct val="100000"/>
-              </a:lnSpc>
-            </a:pPr>
-            <a:r>
-              <a:rPr lang="en-US" sz="2000" b="1" i="0" dirty="0" err="1" smtClean="0">
-                <a:solidFill>
-                  <a:srgbClr val="FFFF00"/>
+            <a:pPr defTabSz="457200"/>
+            <a:r>
+              <a:rPr lang="en-US" sz="2000" b="1" dirty="0" err="1" smtClean="0">
+                <a:solidFill>
+                  <a:srgbClr val="FF0000"/>
                 </a:solidFill>
                 <a:latin typeface="Arial"/>
               </a:rPr>
               <a:t>NextScale</a:t>
             </a:r>
-            <a:endParaRPr lang="en-US" sz="2000" b="1" i="0" dirty="0">
+            <a:endParaRPr lang="en-US" sz="2000" b="1" dirty="0">
               <a:solidFill>
-                <a:srgbClr val="FFFF00"/>
+                <a:srgbClr val="FF0000"/>
               </a:solidFill>
               <a:latin typeface="Arial"/>
             </a:endParaRPr>
@@ -3251,23 +3717,19 @@
           <a:bodyPr/>
           <a:lstStyle/>
           <a:p>
-            <a:pPr algn="ctr">
-              <a:lnSpc>
-                <a:spcPct val="100000"/>
-              </a:lnSpc>
-            </a:pPr>
-            <a:r>
-              <a:rPr lang="en-US" sz="2000" b="1" i="0" dirty="0" err="1" smtClean="0">
-                <a:solidFill>
-                  <a:srgbClr val="FFFF00"/>
+            <a:pPr algn="ctr" defTabSz="457200"/>
+            <a:r>
+              <a:rPr lang="en-US" sz="2000" b="1" dirty="0" err="1" smtClean="0">
+                <a:solidFill>
+                  <a:srgbClr val="FF0000"/>
                 </a:solidFill>
                 <a:latin typeface="Arial"/>
               </a:rPr>
               <a:t>NextBhajan</a:t>
             </a:r>
-            <a:endParaRPr lang="en-US" sz="2000" b="1" i="0" dirty="0">
+            <a:endParaRPr lang="en-US" sz="2000" b="1" dirty="0">
               <a:solidFill>
-                <a:srgbClr val="FFFF00"/>
+                <a:srgbClr val="FF0000"/>
               </a:solidFill>
               <a:latin typeface="Arial"/>
             </a:endParaRPr>
@@ -3275,6 +3737,11 @@
         </p:txBody>
       </p:sp>
     </p:spTree>
+    <p:extLst>
+      <p:ext uri="{BB962C8B-B14F-4D97-AF65-F5344CB8AC3E}">
+        <p14:creationId xmlns:p14="http://schemas.microsoft.com/office/powerpoint/2010/main" val="2845272857"/>
+      </p:ext>
+    </p:extLst>
   </p:cSld>
   <p:clrMapOvr>
     <a:masterClrMapping/>
@@ -3283,7 +3750,7 @@
 </file>
 
 <file path=ppt/theme/theme1.xml><?xml version="1.0" encoding="utf-8"?>
-<a:theme xmlns:a="http://schemas.openxmlformats.org/drawingml/2006/main" name="Office Theme">
+<a:theme xmlns:a="http://schemas.openxmlformats.org/drawingml/2006/main" name="1_Office Theme">
   <a:themeElements>
     <a:clrScheme name="Office">
       <a:dk1>
@@ -3357,6 +3824,7 @@
         <a:font script="Mong" typeface="Mongolian Baiti"/>
         <a:font script="Viet" typeface="Times New Roman"/>
         <a:font script="Uigh" typeface="Microsoft Uighur"/>
+        <a:font script="Geor" typeface="Sylfaen"/>
       </a:majorFont>
       <a:minorFont>
         <a:latin typeface="Calibri"/>
@@ -3391,6 +3859,7 @@
         <a:font script="Mong" typeface="Mongolian Baiti"/>
         <a:font script="Viet" typeface="Arial"/>
         <a:font script="Uigh" typeface="Microsoft Uighur"/>
+        <a:font script="Geor" typeface="Sylfaen"/>
       </a:minorFont>
     </a:fontScheme>
     <a:fmtScheme name="Office">
@@ -3425,20 +3894,16 @@
           <a:gsLst>
             <a:gs pos="0">
               <a:schemeClr val="phClr">
-                <a:shade val="51000"/>
-                <a:satMod val="130000"/>
-              </a:schemeClr>
-            </a:gs>
-            <a:gs pos="80000">
-              <a:schemeClr val="phClr">
-                <a:shade val="93000"/>
+                <a:tint val="100000"/>
+                <a:shade val="100000"/>
                 <a:satMod val="130000"/>
               </a:schemeClr>
             </a:gs>
             <a:gs pos="100000">
               <a:schemeClr val="phClr">
-                <a:shade val="94000"/>
-                <a:satMod val="135000"/>
+                <a:tint val="50000"/>
+                <a:shade val="100000"/>
+                <a:satMod val="350000"/>
               </a:schemeClr>
             </a:gs>
           </a:gsLst>
@@ -3560,7 +4025,46 @@
       </a:bgFillStyleLst>
     </a:fmtScheme>
   </a:themeElements>
-  <a:objectDefaults/>
+  <a:objectDefaults>
+    <a:spDef>
+      <a:spPr/>
+      <a:bodyPr/>
+      <a:lstStyle/>
+      <a:style>
+        <a:lnRef idx="1">
+          <a:schemeClr val="accent1"/>
+        </a:lnRef>
+        <a:fillRef idx="3">
+          <a:schemeClr val="accent1"/>
+        </a:fillRef>
+        <a:effectRef idx="2">
+          <a:schemeClr val="accent1"/>
+        </a:effectRef>
+        <a:fontRef idx="minor">
+          <a:schemeClr val="lt1"/>
+        </a:fontRef>
+      </a:style>
+    </a:spDef>
+    <a:lnDef>
+      <a:spPr/>
+      <a:bodyPr/>
+      <a:lstStyle/>
+      <a:style>
+        <a:lnRef idx="2">
+          <a:schemeClr val="accent1"/>
+        </a:lnRef>
+        <a:fillRef idx="0">
+          <a:schemeClr val="accent1"/>
+        </a:fillRef>
+        <a:effectRef idx="1">
+          <a:schemeClr val="accent1"/>
+        </a:effectRef>
+        <a:fontRef idx="minor">
+          <a:schemeClr val="tx1"/>
+        </a:fontRef>
+      </a:style>
+    </a:lnDef>
+  </a:objectDefaults>
   <a:extraClrSchemeLst/>
 </a:theme>
 </file>